--- a/eu/ProgrammingLessons/intermediate/UltrasonicWallFollow.pptx
+++ b/eu/ProgrammingLessons/intermediate/UltrasonicWallFollow.pptx
@@ -215,7 +215,7 @@
           <a:p>
             <a:fld id="{00645338-D098-6144-A52C-FBC006AF2B70}" type="datetimeFigureOut">
               <a:rPr lang="en-US" smtClean="0"/>
-              <a:t>7/4/2018</a:t>
+              <a:t>9/11/22</a:t>
             </a:fld>
             <a:endParaRPr lang="en-US"/>
           </a:p>
@@ -373,7 +373,7 @@
           <a:p>
             <a:fld id="{5C74673A-4F1F-2D47-98AE-438AC292431B}" type="slidenum">
               <a:rPr lang="en-US" smtClean="0"/>
-              <a:t>‹Nº›</a:t>
+              <a:t>‹#›</a:t>
             </a:fld>
             <a:endParaRPr lang="en-US"/>
           </a:p>
@@ -837,7 +837,7 @@
           <a:p>
             <a:fld id="{074F92C2-3B94-244B-97B3-D6BEE396F9F8}" type="datetime1">
               <a:rPr lang="en-US" smtClean="0"/>
-              <a:t>7/4/2018</a:t>
+              <a:t>9/11/22</a:t>
             </a:fld>
             <a:endParaRPr lang="en-US"/>
           </a:p>
@@ -882,7 +882,7 @@
           <a:p>
             <a:fld id="{7F5CE407-6216-4202-80E4-A30DC2F709B2}" type="slidenum">
               <a:rPr lang="en-US" smtClean="0"/>
-              <a:t>‹Nº›</a:t>
+              <a:t>‹#›</a:t>
             </a:fld>
             <a:endParaRPr lang="en-US"/>
           </a:p>
@@ -1034,7 +1034,7 @@
           <a:noFill/>
           <a:extLst>
             <a:ext uri="{909E8E84-426E-40dd-AFC4-6F175D3DCCD1}">
-              <a14:hiddenFill xmlns="" xmlns:a14="http://schemas.microsoft.com/office/drawing/2010/main">
+              <a14:hiddenFill xmlns:a14="http://schemas.microsoft.com/office/drawing/2010/main" xmlns="">
                 <a:solidFill>
                   <a:srgbClr val="FFFFFF"/>
                 </a:solidFill>
@@ -1202,7 +1202,7 @@
           <a:p>
             <a:fld id="{3F344561-6FDE-C743-AA44-D33CD027E01A}" type="datetime1">
               <a:rPr lang="en-US" smtClean="0"/>
-              <a:t>7/4/2018</a:t>
+              <a:t>9/11/22</a:t>
             </a:fld>
             <a:endParaRPr lang="en-US"/>
           </a:p>
@@ -1247,7 +1247,7 @@
           <a:p>
             <a:fld id="{4382A7F7-08BF-4252-8141-63FB96055BBB}" type="slidenum">
               <a:rPr lang="en-US" smtClean="0"/>
-              <a:t>‹Nº›</a:t>
+              <a:t>‹#›</a:t>
             </a:fld>
             <a:endParaRPr lang="en-US"/>
           </a:p>
@@ -1461,7 +1461,7 @@
           <a:p>
             <a:fld id="{489B3936-AD9C-5E4A-9B1F-C0B5909E615D}" type="datetime1">
               <a:rPr lang="en-US" smtClean="0"/>
-              <a:t>7/4/2018</a:t>
+              <a:t>9/11/22</a:t>
             </a:fld>
             <a:endParaRPr lang="en-US"/>
           </a:p>
@@ -1506,7 +1506,7 @@
           <a:p>
             <a:fld id="{4382A7F7-08BF-4252-8141-63FB96055BBB}" type="slidenum">
               <a:rPr lang="en-US" smtClean="0"/>
-              <a:t>‹Nº›</a:t>
+              <a:t>‹#›</a:t>
             </a:fld>
             <a:endParaRPr lang="en-US"/>
           </a:p>
@@ -1715,7 +1715,7 @@
           <a:p>
             <a:fld id="{190DE600-5C83-D148-BE77-E9FEF308EF7C}" type="datetime1">
               <a:rPr lang="en-US" smtClean="0"/>
-              <a:t>7/4/2018</a:t>
+              <a:t>9/11/22</a:t>
             </a:fld>
             <a:endParaRPr lang="en-US"/>
           </a:p>
@@ -1760,7 +1760,7 @@
           <a:p>
             <a:fld id="{7F5CE407-6216-4202-80E4-A30DC2F709B2}" type="slidenum">
               <a:rPr lang="en-US" smtClean="0"/>
-              <a:t>‹Nº›</a:t>
+              <a:t>‹#›</a:t>
             </a:fld>
             <a:endParaRPr lang="en-US"/>
           </a:p>
@@ -2084,7 +2084,7 @@
           <a:p>
             <a:fld id="{14DA0697-02E6-5A48-B72D-7FAFAFBABDDB}" type="datetime1">
               <a:rPr lang="en-US" smtClean="0"/>
-              <a:t>7/4/2018</a:t>
+              <a:t>9/11/22</a:t>
             </a:fld>
             <a:endParaRPr lang="en-US"/>
           </a:p>
@@ -2129,7 +2129,7 @@
           <a:p>
             <a:fld id="{4382A7F7-08BF-4252-8141-63FB96055BBB}" type="slidenum">
               <a:rPr lang="en-US" smtClean="0"/>
-              <a:t>‹Nº›</a:t>
+              <a:t>‹#›</a:t>
             </a:fld>
             <a:endParaRPr lang="en-US"/>
           </a:p>
@@ -2430,7 +2430,7 @@
           <a:p>
             <a:fld id="{1CFE078A-1F43-A841-8C45-60A0CFC89F1B}" type="datetime1">
               <a:rPr lang="en-US" smtClean="0"/>
-              <a:t>7/4/2018</a:t>
+              <a:t>9/11/22</a:t>
             </a:fld>
             <a:endParaRPr lang="en-US"/>
           </a:p>
@@ -2475,7 +2475,7 @@
           <a:p>
             <a:fld id="{162F1D00-BD13-4404-86B0-79703945A0A7}" type="slidenum">
               <a:rPr lang="en-US" smtClean="0"/>
-              <a:t>‹Nº›</a:t>
+              <a:t>‹#›</a:t>
             </a:fld>
             <a:endParaRPr lang="en-US"/>
           </a:p>
@@ -2708,7 +2708,7 @@
           <a:p>
             <a:fld id="{641FB0EC-1842-3148-BD31-00D956EBEDB7}" type="datetime1">
               <a:rPr lang="en-US" smtClean="0"/>
-              <a:t>7/4/2018</a:t>
+              <a:t>9/11/22</a:t>
             </a:fld>
             <a:endParaRPr lang="en-US"/>
           </a:p>
@@ -2754,7 +2754,7 @@
           <a:p>
             <a:fld id="{4382A7F7-08BF-4252-8141-63FB96055BBB}" type="slidenum">
               <a:rPr lang="en-US" smtClean="0"/>
-              <a:t>‹Nº›</a:t>
+              <a:t>‹#›</a:t>
             </a:fld>
             <a:endParaRPr lang="en-US"/>
           </a:p>
@@ -3091,7 +3091,7 @@
           <a:p>
             <a:fld id="{660C20BD-DA15-F74E-B909-EC98678514B5}" type="datetime1">
               <a:rPr lang="en-US" smtClean="0"/>
-              <a:t>7/4/2018</a:t>
+              <a:t>9/11/22</a:t>
             </a:fld>
             <a:endParaRPr lang="en-US"/>
           </a:p>
@@ -3136,7 +3136,7 @@
           <a:p>
             <a:fld id="{4382A7F7-08BF-4252-8141-63FB96055BBB}" type="slidenum">
               <a:rPr lang="en-US" smtClean="0"/>
-              <a:t>‹Nº›</a:t>
+              <a:t>‹#›</a:t>
             </a:fld>
             <a:endParaRPr lang="en-US"/>
           </a:p>
@@ -3212,7 +3212,7 @@
           <a:p>
             <a:fld id="{D3EC864F-18D4-E441-8D4F-D57402E60C03}" type="datetime1">
               <a:rPr lang="en-US" smtClean="0"/>
-              <a:t>7/4/2018</a:t>
+              <a:t>9/11/22</a:t>
             </a:fld>
             <a:endParaRPr lang="en-US"/>
           </a:p>
@@ -3257,7 +3257,7 @@
           <a:p>
             <a:fld id="{4382A7F7-08BF-4252-8141-63FB96055BBB}" type="slidenum">
               <a:rPr lang="en-US" smtClean="0"/>
-              <a:t>‹Nº›</a:t>
+              <a:t>‹#›</a:t>
             </a:fld>
             <a:endParaRPr lang="en-US"/>
           </a:p>
@@ -3386,7 +3386,7 @@
           <a:p>
             <a:fld id="{24E7BB91-8817-0144-8EEA-A66654D6A17D}" type="datetime1">
               <a:rPr lang="en-US" smtClean="0"/>
-              <a:t>7/4/2018</a:t>
+              <a:t>9/11/22</a:t>
             </a:fld>
             <a:endParaRPr lang="en-US"/>
           </a:p>
@@ -3439,7 +3439,7 @@
           <a:p>
             <a:fld id="{4382A7F7-08BF-4252-8141-63FB96055BBB}" type="slidenum">
               <a:rPr lang="en-US" smtClean="0"/>
-              <a:t>‹Nº›</a:t>
+              <a:t>‹#›</a:t>
             </a:fld>
             <a:endParaRPr lang="en-US"/>
           </a:p>
@@ -3743,7 +3743,7 @@
           <a:p>
             <a:fld id="{4CE1C5DB-2C46-6B43-B2D5-501EF2B8D5E7}" type="datetime1">
               <a:rPr lang="en-US" smtClean="0"/>
-              <a:t>7/4/2018</a:t>
+              <a:t>9/11/22</a:t>
             </a:fld>
             <a:endParaRPr lang="en-US"/>
           </a:p>
@@ -3809,7 +3809,7 @@
           <a:p>
             <a:fld id="{7F5CE407-6216-4202-80E4-A30DC2F709B2}" type="slidenum">
               <a:rPr lang="en-US" smtClean="0"/>
-              <a:t>‹Nº›</a:t>
+              <a:t>‹#›</a:t>
             </a:fld>
             <a:endParaRPr lang="en-US"/>
           </a:p>
@@ -3937,7 +3937,7 @@
           <a:p>
             <a:fld id="{DD87E655-5265-4846-9DAE-F7260DE74390}" type="datetime1">
               <a:rPr lang="en-US" smtClean="0"/>
-              <a:t>7/4/2018</a:t>
+              <a:t>9/11/22</a:t>
             </a:fld>
             <a:endParaRPr lang="en-US"/>
           </a:p>
@@ -3982,7 +3982,7 @@
           <a:p>
             <a:fld id="{4382A7F7-08BF-4252-8141-63FB96055BBB}" type="slidenum">
               <a:rPr lang="en-US" smtClean="0"/>
-              <a:t>‹Nº›</a:t>
+              <a:t>‹#›</a:t>
             </a:fld>
             <a:endParaRPr lang="en-US"/>
           </a:p>
@@ -4301,7 +4301,7 @@
           <a:p>
             <a:fld id="{6EED4A69-F44D-8E40-A92F-0F08467BD4DF}" type="datetime1">
               <a:rPr lang="en-US" smtClean="0"/>
-              <a:t>7/4/2018</a:t>
+              <a:t>9/11/22</a:t>
             </a:fld>
             <a:endParaRPr lang="en-US"/>
           </a:p>
@@ -4346,7 +4346,7 @@
           <a:p>
             <a:fld id="{4382A7F7-08BF-4252-8141-63FB96055BBB}" type="slidenum">
               <a:rPr lang="en-US" smtClean="0"/>
-              <a:t>‹Nº›</a:t>
+              <a:t>‹#›</a:t>
             </a:fld>
             <a:endParaRPr lang="en-US"/>
           </a:p>
@@ -4474,7 +4474,7 @@
           <a:p>
             <a:fld id="{AA6041B2-7720-7B4E-8E4F-D2E8BFB03827}" type="datetime1">
               <a:rPr lang="en-US" smtClean="0"/>
-              <a:t>7/4/2018</a:t>
+              <a:t>9/11/22</a:t>
             </a:fld>
             <a:endParaRPr lang="en-US"/>
           </a:p>
@@ -4519,7 +4519,7 @@
           <a:p>
             <a:fld id="{4382A7F7-08BF-4252-8141-63FB96055BBB}" type="slidenum">
               <a:rPr lang="en-US" smtClean="0"/>
-              <a:t>‹Nº›</a:t>
+              <a:t>‹#›</a:t>
             </a:fld>
             <a:endParaRPr lang="en-US"/>
           </a:p>
@@ -4733,7 +4733,7 @@
           <a:p>
             <a:fld id="{8F633083-6B6E-1049-BFC9-D05CFD11827C}" type="datetime1">
               <a:rPr lang="en-US" smtClean="0"/>
-              <a:t>7/4/2018</a:t>
+              <a:t>9/11/22</a:t>
             </a:fld>
             <a:endParaRPr lang="en-US"/>
           </a:p>
@@ -4778,7 +4778,7 @@
           <a:p>
             <a:fld id="{4382A7F7-08BF-4252-8141-63FB96055BBB}" type="slidenum">
               <a:rPr lang="en-US" smtClean="0"/>
-              <a:t>‹Nº›</a:t>
+              <a:t>‹#›</a:t>
             </a:fld>
             <a:endParaRPr lang="en-US"/>
           </a:p>
@@ -5079,7 +5079,7 @@
           <a:p>
             <a:fld id="{3639AE0A-E801-314B-9C94-B42F7158440A}" type="datetime1">
               <a:rPr lang="en-US" smtClean="0"/>
-              <a:t>7/4/2018</a:t>
+              <a:t>9/11/22</a:t>
             </a:fld>
             <a:endParaRPr lang="en-US"/>
           </a:p>
@@ -5124,7 +5124,7 @@
           <a:p>
             <a:fld id="{162F1D00-BD13-4404-86B0-79703945A0A7}" type="slidenum">
               <a:rPr lang="en-US" smtClean="0"/>
-              <a:t>‹Nº›</a:t>
+              <a:t>‹#›</a:t>
             </a:fld>
             <a:endParaRPr lang="en-US"/>
           </a:p>
@@ -5329,7 +5329,7 @@
           <a:p>
             <a:fld id="{554D0CFF-2615-AA42-AEF3-97D6122C3A31}" type="datetime1">
               <a:rPr lang="en-US" smtClean="0"/>
-              <a:t>7/4/2018</a:t>
+              <a:t>9/11/22</a:t>
             </a:fld>
             <a:endParaRPr lang="en-US"/>
           </a:p>
@@ -5375,7 +5375,7 @@
           <a:p>
             <a:fld id="{4382A7F7-08BF-4252-8141-63FB96055BBB}" type="slidenum">
               <a:rPr lang="en-US" smtClean="0"/>
-              <a:t>‹Nº›</a:t>
+              <a:t>‹#›</a:t>
             </a:fld>
             <a:endParaRPr lang="en-US"/>
           </a:p>
@@ -5706,7 +5706,7 @@
           <a:p>
             <a:fld id="{6A472709-6B55-504C-9878-125A3676BD82}" type="datetime1">
               <a:rPr lang="en-US" smtClean="0"/>
-              <a:t>7/4/2018</a:t>
+              <a:t>9/11/22</a:t>
             </a:fld>
             <a:endParaRPr lang="en-US"/>
           </a:p>
@@ -5751,7 +5751,7 @@
           <a:p>
             <a:fld id="{4382A7F7-08BF-4252-8141-63FB96055BBB}" type="slidenum">
               <a:rPr lang="en-US" smtClean="0"/>
-              <a:t>‹Nº›</a:t>
+              <a:t>‹#›</a:t>
             </a:fld>
             <a:endParaRPr lang="en-US"/>
           </a:p>
@@ -5849,7 +5849,7 @@
           <a:p>
             <a:fld id="{F1EF90DA-D2B6-0643-A544-B956F716F534}" type="datetime1">
               <a:rPr lang="en-US" smtClean="0"/>
-              <a:t>7/4/2018</a:t>
+              <a:t>9/11/22</a:t>
             </a:fld>
             <a:endParaRPr lang="en-US"/>
           </a:p>
@@ -5894,7 +5894,7 @@
           <a:p>
             <a:fld id="{4382A7F7-08BF-4252-8141-63FB96055BBB}" type="slidenum">
               <a:rPr lang="en-US" smtClean="0"/>
-              <a:t>‹Nº›</a:t>
+              <a:t>‹#›</a:t>
             </a:fld>
             <a:endParaRPr lang="en-US"/>
           </a:p>
@@ -6023,7 +6023,7 @@
           <a:p>
             <a:fld id="{346D2519-1053-2E4F-A38E-482D2C18F615}" type="datetime1">
               <a:rPr lang="en-US" smtClean="0"/>
-              <a:t>7/4/2018</a:t>
+              <a:t>9/11/22</a:t>
             </a:fld>
             <a:endParaRPr lang="en-US"/>
           </a:p>
@@ -6076,7 +6076,7 @@
           <a:p>
             <a:fld id="{4382A7F7-08BF-4252-8141-63FB96055BBB}" type="slidenum">
               <a:rPr lang="en-US" smtClean="0"/>
-              <a:t>‹Nº›</a:t>
+              <a:t>‹#›</a:t>
             </a:fld>
             <a:endParaRPr lang="en-US"/>
           </a:p>
@@ -6380,7 +6380,7 @@
           <a:p>
             <a:fld id="{039C2AAA-16B5-0A45-B831-A439D4D158B6}" type="datetime1">
               <a:rPr lang="en-US" smtClean="0"/>
-              <a:t>7/4/2018</a:t>
+              <a:t>9/11/22</a:t>
             </a:fld>
             <a:endParaRPr lang="en-US"/>
           </a:p>
@@ -6446,7 +6446,7 @@
           <a:p>
             <a:fld id="{7F5CE407-6216-4202-80E4-A30DC2F709B2}" type="slidenum">
               <a:rPr lang="en-US" smtClean="0"/>
-              <a:t>‹Nº›</a:t>
+              <a:t>‹#›</a:t>
             </a:fld>
             <a:endParaRPr lang="en-US"/>
           </a:p>
@@ -6765,7 +6765,7 @@
           <a:p>
             <a:fld id="{4B113803-2BF8-0144-8129-D43F92C24F8C}" type="datetime1">
               <a:rPr lang="en-US" smtClean="0"/>
-              <a:t>7/4/2018</a:t>
+              <a:t>9/11/22</a:t>
             </a:fld>
             <a:endParaRPr lang="en-US"/>
           </a:p>
@@ -6810,7 +6810,7 @@
           <a:p>
             <a:fld id="{4382A7F7-08BF-4252-8141-63FB96055BBB}" type="slidenum">
               <a:rPr lang="en-US" smtClean="0"/>
-              <a:t>‹Nº›</a:t>
+              <a:t>‹#›</a:t>
             </a:fld>
             <a:endParaRPr lang="en-US"/>
           </a:p>
@@ -7057,7 +7057,7 @@
           <a:p>
             <a:fld id="{C25C3AD7-2712-714A-9C91-2DF26E28E137}" type="datetime1">
               <a:rPr lang="en-US" smtClean="0"/>
-              <a:t>7/4/2018</a:t>
+              <a:t>9/11/22</a:t>
             </a:fld>
             <a:endParaRPr lang="en-US" dirty="0"/>
           </a:p>
@@ -7135,7 +7135,7 @@
           <a:p>
             <a:fld id="{4382A7F7-08BF-4252-8141-63FB96055BBB}" type="slidenum">
               <a:rPr lang="en-US" smtClean="0"/>
-              <a:t>‹Nº›</a:t>
+              <a:t>‹#›</a:t>
             </a:fld>
             <a:endParaRPr lang="en-US"/>
           </a:p>
@@ -7835,7 +7835,7 @@
           <a:p>
             <a:fld id="{2D53C365-1020-794C-8763-6E4E7F4062A3}" type="datetime1">
               <a:rPr lang="en-US" smtClean="0"/>
-              <a:t>7/4/2018</a:t>
+              <a:t>9/11/22</a:t>
             </a:fld>
             <a:endParaRPr lang="en-US" dirty="0"/>
           </a:p>
@@ -7913,7 +7913,7 @@
           <a:p>
             <a:fld id="{4382A7F7-08BF-4252-8141-63FB96055BBB}" type="slidenum">
               <a:rPr lang="en-US" smtClean="0"/>
-              <a:t>‹Nº›</a:t>
+              <a:t>‹#›</a:t>
             </a:fld>
             <a:endParaRPr lang="en-US"/>
           </a:p>
@@ -10639,108 +10639,6 @@
             </a:endParaRPr>
           </a:p>
           <a:p>
-            <a:pPr marL="201168" lvl="1" indent="0">
-              <a:buNone/>
-            </a:pPr>
-            <a:r>
-              <a:rPr lang="en-US" dirty="0" err="1">
-                <a:latin typeface="+mj-lt"/>
-              </a:rPr>
-              <a:t>Itzulpena</a:t>
-            </a:r>
-            <a:r>
-              <a:rPr lang="en-US" dirty="0">
-                <a:latin typeface="+mj-lt"/>
-              </a:rPr>
-              <a:t> </a:t>
-            </a:r>
-            <a:r>
-              <a:rPr lang="en-US" dirty="0" err="1">
-                <a:latin typeface="+mj-lt"/>
-              </a:rPr>
-              <a:t>Edurobotic-ek</a:t>
-            </a:r>
-            <a:r>
-              <a:rPr lang="en-US" dirty="0">
-                <a:latin typeface="+mj-lt"/>
-              </a:rPr>
-              <a:t> </a:t>
-            </a:r>
-            <a:r>
-              <a:rPr lang="en-US" dirty="0" err="1">
-                <a:latin typeface="+mj-lt"/>
-              </a:rPr>
-              <a:t>eginda</a:t>
-            </a:r>
-            <a:r>
-              <a:rPr lang="en-US" dirty="0">
-                <a:latin typeface="+mj-lt"/>
-              </a:rPr>
-              <a:t>. </a:t>
-            </a:r>
-            <a:r>
-              <a:rPr lang="en-US" dirty="0">
-                <a:latin typeface="+mj-lt"/>
-                <a:hlinkClick r:id="rId4"/>
-              </a:rPr>
-              <a:t>www.edurobotic.es</a:t>
-            </a:r>
-            <a:r>
-              <a:rPr lang="en-US" dirty="0">
-                <a:latin typeface="+mj-lt"/>
-              </a:rPr>
-              <a:t> (</a:t>
-            </a:r>
-            <a:r>
-              <a:rPr lang="en-US" dirty="0" err="1">
-                <a:latin typeface="+mj-lt"/>
-              </a:rPr>
-              <a:t>Anartz</a:t>
-            </a:r>
-            <a:r>
-              <a:rPr lang="en-US" dirty="0">
-                <a:latin typeface="+mj-lt"/>
-              </a:rPr>
-              <a:t> San Juan </a:t>
-            </a:r>
-            <a:r>
-              <a:rPr lang="en-US" dirty="0" err="1">
-                <a:latin typeface="+mj-lt"/>
-              </a:rPr>
-              <a:t>taldekideak</a:t>
-            </a:r>
-            <a:r>
-              <a:rPr lang="en-US" dirty="0">
-                <a:latin typeface="+mj-lt"/>
-              </a:rPr>
-              <a:t> </a:t>
-            </a:r>
-            <a:r>
-              <a:rPr lang="en-US" dirty="0" err="1">
-                <a:latin typeface="+mj-lt"/>
-              </a:rPr>
-              <a:t>hain</a:t>
-            </a:r>
-            <a:r>
-              <a:rPr lang="en-US" dirty="0">
-                <a:latin typeface="+mj-lt"/>
-              </a:rPr>
-              <a:t> </a:t>
-            </a:r>
-            <a:r>
-              <a:rPr lang="en-US" dirty="0" err="1">
-                <a:latin typeface="+mj-lt"/>
-              </a:rPr>
-              <a:t>zuzen</a:t>
-            </a:r>
-            <a:r>
-              <a:rPr lang="en-US" dirty="0">
-                <a:latin typeface="+mj-lt"/>
-              </a:rPr>
-              <a:t>).</a:t>
-            </a:r>
-          </a:p>
-          <a:p>
             <a:pPr marL="0" indent="0">
               <a:buNone/>
             </a:pPr>
@@ -10797,7 +10695,7 @@
       <p:pic>
         <p:nvPicPr>
           <p:cNvPr id="6" name="Picture 2" descr="Creative Commons License">
-            <a:hlinkClick r:id="rId5"/>
+            <a:hlinkClick r:id="rId4"/>
           </p:cNvPr>
           <p:cNvPicPr>
             <a:picLocks noChangeAspect="1" noChangeArrowheads="1"/>
@@ -10805,7 +10703,7 @@
           <p:nvPr/>
         </p:nvPicPr>
         <p:blipFill>
-          <a:blip r:embed="rId6">
+          <a:blip r:embed="rId5">
             <a:extLst>
               <a:ext uri="{28A0092B-C50C-407E-A947-70E740481C1C}">
                 <a14:useLocalDpi xmlns:a14="http://schemas.microsoft.com/office/drawing/2010/main" val="0"/>
@@ -10828,7 +10726,7 @@
           <a:noFill/>
           <a:extLst>
             <a:ext uri="{909E8E84-426E-40dd-AFC4-6F175D3DCCD1}">
-              <a14:hiddenFill xmlns="" xmlns:a14="http://schemas.microsoft.com/office/drawing/2010/main">
+              <a14:hiddenFill xmlns:a14="http://schemas.microsoft.com/office/drawing/2010/main" xmlns="">
                 <a:solidFill>
                   <a:srgbClr val="FFFFFF"/>
                 </a:solidFill>
@@ -11082,7 +10980,7 @@
                   <a:srgbClr val="4374B7"/>
                 </a:solidFill>
                 <a:latin typeface="Helvetica Neue"/>
-                <a:hlinkClick r:id="rId5"/>
+                <a:hlinkClick r:id="rId4"/>
               </a:rPr>
               <a:t>Creative Commons Attribution-</a:t>
             </a:r>
@@ -11092,7 +10990,7 @@
                   <a:srgbClr val="4374B7"/>
                 </a:solidFill>
                 <a:latin typeface="Helvetica Neue"/>
-                <a:hlinkClick r:id="rId5"/>
+                <a:hlinkClick r:id="rId4"/>
               </a:rPr>
               <a:t>NonCommercial</a:t>
             </a:r>
@@ -11102,7 +11000,7 @@
                   <a:srgbClr val="4374B7"/>
                 </a:solidFill>
                 <a:latin typeface="Helvetica Neue"/>
-                <a:hlinkClick r:id="rId5"/>
+                <a:hlinkClick r:id="rId4"/>
               </a:rPr>
               <a:t>-</a:t>
             </a:r>
@@ -11112,7 +11010,7 @@
                   <a:srgbClr val="4374B7"/>
                 </a:solidFill>
                 <a:latin typeface="Helvetica Neue"/>
-                <a:hlinkClick r:id="rId5"/>
+                <a:hlinkClick r:id="rId4"/>
               </a:rPr>
               <a:t>ShareAlike</a:t>
             </a:r>
@@ -11122,7 +11020,7 @@
                   <a:srgbClr val="4374B7"/>
                 </a:solidFill>
                 <a:latin typeface="Helvetica Neue"/>
-                <a:hlinkClick r:id="rId5"/>
+                <a:hlinkClick r:id="rId4"/>
               </a:rPr>
               <a:t> 4.0 International License</a:t>
             </a:r>
